--- a/6_interleaving_framework/images/nearest_neighbour_domination_region.pptx
+++ b/6_interleaving_framework/images/nearest_neighbour_domination_region.pptx
@@ -154,7 +154,7 @@
           </a:lstStyle>
           <a:p>
             <a:r>
-              <a:rPr lang="en-US" smtClean="0"/>
+              <a:rPr lang="en-US"/>
               <a:t>Click to edit Master title style</a:t>
             </a:r>
             <a:endParaRPr lang="en-US" dirty="0"/>
@@ -219,7 +219,7 @@
           </a:lstStyle>
           <a:p>
             <a:r>
-              <a:rPr lang="en-US" smtClean="0"/>
+              <a:rPr lang="en-US"/>
               <a:t>Click to edit Master subtitle style</a:t>
             </a:r>
             <a:endParaRPr lang="en-US" dirty="0"/>
@@ -243,7 +243,7 @@
           <a:p>
             <a:fld id="{7078CFEC-1D61-41B2-9CE4-F79A0697D2D9}" type="datetimeFigureOut">
               <a:rPr lang="en-US" smtClean="0"/>
-              <a:t>8/10/2018</a:t>
+              <a:t>2020-05-08</a:t>
             </a:fld>
             <a:endParaRPr lang="en-US"/>
           </a:p>
@@ -337,7 +337,7 @@
           <a:lstStyle/>
           <a:p>
             <a:r>
-              <a:rPr lang="en-US" smtClean="0"/>
+              <a:rPr lang="en-US"/>
               <a:t>Click to edit Master title style</a:t>
             </a:r>
             <a:endParaRPr lang="en-US" dirty="0"/>
@@ -361,35 +361,35 @@
           <a:p>
             <a:pPr lvl="0"/>
             <a:r>
-              <a:rPr lang="en-US" smtClean="0"/>
+              <a:rPr lang="en-US"/>
               <a:t>Edit Master text styles</a:t>
             </a:r>
           </a:p>
           <a:p>
             <a:pPr lvl="1"/>
             <a:r>
-              <a:rPr lang="en-US" smtClean="0"/>
+              <a:rPr lang="en-US"/>
               <a:t>Second level</a:t>
             </a:r>
           </a:p>
           <a:p>
             <a:pPr lvl="2"/>
             <a:r>
-              <a:rPr lang="en-US" smtClean="0"/>
+              <a:rPr lang="en-US"/>
               <a:t>Third level</a:t>
             </a:r>
           </a:p>
           <a:p>
             <a:pPr lvl="3"/>
             <a:r>
-              <a:rPr lang="en-US" smtClean="0"/>
+              <a:rPr lang="en-US"/>
               <a:t>Fourth level</a:t>
             </a:r>
           </a:p>
           <a:p>
             <a:pPr lvl="4"/>
             <a:r>
-              <a:rPr lang="en-US" smtClean="0"/>
+              <a:rPr lang="en-US"/>
               <a:t>Fifth level</a:t>
             </a:r>
             <a:endParaRPr lang="en-US" dirty="0"/>
@@ -413,7 +413,7 @@
           <a:p>
             <a:fld id="{7078CFEC-1D61-41B2-9CE4-F79A0697D2D9}" type="datetimeFigureOut">
               <a:rPr lang="en-US" smtClean="0"/>
-              <a:t>8/10/2018</a:t>
+              <a:t>2020-05-08</a:t>
             </a:fld>
             <a:endParaRPr lang="en-US"/>
           </a:p>
@@ -512,7 +512,7 @@
           <a:lstStyle/>
           <a:p>
             <a:r>
-              <a:rPr lang="en-US" smtClean="0"/>
+              <a:rPr lang="en-US"/>
               <a:t>Click to edit Master title style</a:t>
             </a:r>
             <a:endParaRPr lang="en-US" dirty="0"/>
@@ -541,35 +541,35 @@
           <a:p>
             <a:pPr lvl="0"/>
             <a:r>
-              <a:rPr lang="en-US" smtClean="0"/>
+              <a:rPr lang="en-US"/>
               <a:t>Edit Master text styles</a:t>
             </a:r>
           </a:p>
           <a:p>
             <a:pPr lvl="1"/>
             <a:r>
-              <a:rPr lang="en-US" smtClean="0"/>
+              <a:rPr lang="en-US"/>
               <a:t>Second level</a:t>
             </a:r>
           </a:p>
           <a:p>
             <a:pPr lvl="2"/>
             <a:r>
-              <a:rPr lang="en-US" smtClean="0"/>
+              <a:rPr lang="en-US"/>
               <a:t>Third level</a:t>
             </a:r>
           </a:p>
           <a:p>
             <a:pPr lvl="3"/>
             <a:r>
-              <a:rPr lang="en-US" smtClean="0"/>
+              <a:rPr lang="en-US"/>
               <a:t>Fourth level</a:t>
             </a:r>
           </a:p>
           <a:p>
             <a:pPr lvl="4"/>
             <a:r>
-              <a:rPr lang="en-US" smtClean="0"/>
+              <a:rPr lang="en-US"/>
               <a:t>Fifth level</a:t>
             </a:r>
             <a:endParaRPr lang="en-US" dirty="0"/>
@@ -593,7 +593,7 @@
           <a:p>
             <a:fld id="{7078CFEC-1D61-41B2-9CE4-F79A0697D2D9}" type="datetimeFigureOut">
               <a:rPr lang="en-US" smtClean="0"/>
-              <a:t>8/10/2018</a:t>
+              <a:t>2020-05-08</a:t>
             </a:fld>
             <a:endParaRPr lang="en-US"/>
           </a:p>
@@ -687,7 +687,7 @@
           <a:lstStyle/>
           <a:p>
             <a:r>
-              <a:rPr lang="en-US" smtClean="0"/>
+              <a:rPr lang="en-US"/>
               <a:t>Click to edit Master title style</a:t>
             </a:r>
             <a:endParaRPr lang="en-US" dirty="0"/>
@@ -711,35 +711,35 @@
           <a:p>
             <a:pPr lvl="0"/>
             <a:r>
-              <a:rPr lang="en-US" smtClean="0"/>
+              <a:rPr lang="en-US"/>
               <a:t>Edit Master text styles</a:t>
             </a:r>
           </a:p>
           <a:p>
             <a:pPr lvl="1"/>
             <a:r>
-              <a:rPr lang="en-US" smtClean="0"/>
+              <a:rPr lang="en-US"/>
               <a:t>Second level</a:t>
             </a:r>
           </a:p>
           <a:p>
             <a:pPr lvl="2"/>
             <a:r>
-              <a:rPr lang="en-US" smtClean="0"/>
+              <a:rPr lang="en-US"/>
               <a:t>Third level</a:t>
             </a:r>
           </a:p>
           <a:p>
             <a:pPr lvl="3"/>
             <a:r>
-              <a:rPr lang="en-US" smtClean="0"/>
+              <a:rPr lang="en-US"/>
               <a:t>Fourth level</a:t>
             </a:r>
           </a:p>
           <a:p>
             <a:pPr lvl="4"/>
             <a:r>
-              <a:rPr lang="en-US" smtClean="0"/>
+              <a:rPr lang="en-US"/>
               <a:t>Fifth level</a:t>
             </a:r>
             <a:endParaRPr lang="en-US" dirty="0"/>
@@ -763,7 +763,7 @@
           <a:p>
             <a:fld id="{7078CFEC-1D61-41B2-9CE4-F79A0697D2D9}" type="datetimeFigureOut">
               <a:rPr lang="en-US" smtClean="0"/>
-              <a:t>8/10/2018</a:t>
+              <a:t>2020-05-08</a:t>
             </a:fld>
             <a:endParaRPr lang="en-US"/>
           </a:p>
@@ -866,7 +866,7 @@
           </a:lstStyle>
           <a:p>
             <a:r>
-              <a:rPr lang="en-US" smtClean="0"/>
+              <a:rPr lang="en-US"/>
               <a:t>Click to edit Master title style</a:t>
             </a:r>
             <a:endParaRPr lang="en-US" dirty="0"/>
@@ -984,7 +984,7 @@
           <a:p>
             <a:pPr lvl="0"/>
             <a:r>
-              <a:rPr lang="en-US" smtClean="0"/>
+              <a:rPr lang="en-US"/>
               <a:t>Edit Master text styles</a:t>
             </a:r>
           </a:p>
@@ -1007,7 +1007,7 @@
           <a:p>
             <a:fld id="{7078CFEC-1D61-41B2-9CE4-F79A0697D2D9}" type="datetimeFigureOut">
               <a:rPr lang="en-US" smtClean="0"/>
-              <a:t>8/10/2018</a:t>
+              <a:t>2020-05-08</a:t>
             </a:fld>
             <a:endParaRPr lang="en-US"/>
           </a:p>
@@ -1101,7 +1101,7 @@
           <a:lstStyle/>
           <a:p>
             <a:r>
-              <a:rPr lang="en-US" smtClean="0"/>
+              <a:rPr lang="en-US"/>
               <a:t>Click to edit Master title style</a:t>
             </a:r>
             <a:endParaRPr lang="en-US" dirty="0"/>
@@ -1130,35 +1130,35 @@
           <a:p>
             <a:pPr lvl="0"/>
             <a:r>
-              <a:rPr lang="en-US" smtClean="0"/>
+              <a:rPr lang="en-US"/>
               <a:t>Edit Master text styles</a:t>
             </a:r>
           </a:p>
           <a:p>
             <a:pPr lvl="1"/>
             <a:r>
-              <a:rPr lang="en-US" smtClean="0"/>
+              <a:rPr lang="en-US"/>
               <a:t>Second level</a:t>
             </a:r>
           </a:p>
           <a:p>
             <a:pPr lvl="2"/>
             <a:r>
-              <a:rPr lang="en-US" smtClean="0"/>
+              <a:rPr lang="en-US"/>
               <a:t>Third level</a:t>
             </a:r>
           </a:p>
           <a:p>
             <a:pPr lvl="3"/>
             <a:r>
-              <a:rPr lang="en-US" smtClean="0"/>
+              <a:rPr lang="en-US"/>
               <a:t>Fourth level</a:t>
             </a:r>
           </a:p>
           <a:p>
             <a:pPr lvl="4"/>
             <a:r>
-              <a:rPr lang="en-US" smtClean="0"/>
+              <a:rPr lang="en-US"/>
               <a:t>Fifth level</a:t>
             </a:r>
             <a:endParaRPr lang="en-US" dirty="0"/>
@@ -1187,35 +1187,35 @@
           <a:p>
             <a:pPr lvl="0"/>
             <a:r>
-              <a:rPr lang="en-US" smtClean="0"/>
+              <a:rPr lang="en-US"/>
               <a:t>Edit Master text styles</a:t>
             </a:r>
           </a:p>
           <a:p>
             <a:pPr lvl="1"/>
             <a:r>
-              <a:rPr lang="en-US" smtClean="0"/>
+              <a:rPr lang="en-US"/>
               <a:t>Second level</a:t>
             </a:r>
           </a:p>
           <a:p>
             <a:pPr lvl="2"/>
             <a:r>
-              <a:rPr lang="en-US" smtClean="0"/>
+              <a:rPr lang="en-US"/>
               <a:t>Third level</a:t>
             </a:r>
           </a:p>
           <a:p>
             <a:pPr lvl="3"/>
             <a:r>
-              <a:rPr lang="en-US" smtClean="0"/>
+              <a:rPr lang="en-US"/>
               <a:t>Fourth level</a:t>
             </a:r>
           </a:p>
           <a:p>
             <a:pPr lvl="4"/>
             <a:r>
-              <a:rPr lang="en-US" smtClean="0"/>
+              <a:rPr lang="en-US"/>
               <a:t>Fifth level</a:t>
             </a:r>
             <a:endParaRPr lang="en-US" dirty="0"/>
@@ -1239,7 +1239,7 @@
           <a:p>
             <a:fld id="{7078CFEC-1D61-41B2-9CE4-F79A0697D2D9}" type="datetimeFigureOut">
               <a:rPr lang="en-US" smtClean="0"/>
-              <a:t>8/10/2018</a:t>
+              <a:t>2020-05-08</a:t>
             </a:fld>
             <a:endParaRPr lang="en-US"/>
           </a:p>
@@ -1338,7 +1338,7 @@
           <a:lstStyle/>
           <a:p>
             <a:r>
-              <a:rPr lang="en-US" smtClean="0"/>
+              <a:rPr lang="en-US"/>
               <a:t>Click to edit Master title style</a:t>
             </a:r>
             <a:endParaRPr lang="en-US" dirty="0"/>
@@ -1404,7 +1404,7 @@
           <a:p>
             <a:pPr lvl="0"/>
             <a:r>
-              <a:rPr lang="en-US" smtClean="0"/>
+              <a:rPr lang="en-US"/>
               <a:t>Edit Master text styles</a:t>
             </a:r>
           </a:p>
@@ -1432,35 +1432,35 @@
           <a:p>
             <a:pPr lvl="0"/>
             <a:r>
-              <a:rPr lang="en-US" smtClean="0"/>
+              <a:rPr lang="en-US"/>
               <a:t>Edit Master text styles</a:t>
             </a:r>
           </a:p>
           <a:p>
             <a:pPr lvl="1"/>
             <a:r>
-              <a:rPr lang="en-US" smtClean="0"/>
+              <a:rPr lang="en-US"/>
               <a:t>Second level</a:t>
             </a:r>
           </a:p>
           <a:p>
             <a:pPr lvl="2"/>
             <a:r>
-              <a:rPr lang="en-US" smtClean="0"/>
+              <a:rPr lang="en-US"/>
               <a:t>Third level</a:t>
             </a:r>
           </a:p>
           <a:p>
             <a:pPr lvl="3"/>
             <a:r>
-              <a:rPr lang="en-US" smtClean="0"/>
+              <a:rPr lang="en-US"/>
               <a:t>Fourth level</a:t>
             </a:r>
           </a:p>
           <a:p>
             <a:pPr lvl="4"/>
             <a:r>
-              <a:rPr lang="en-US" smtClean="0"/>
+              <a:rPr lang="en-US"/>
               <a:t>Fifth level</a:t>
             </a:r>
             <a:endParaRPr lang="en-US" dirty="0"/>
@@ -1526,7 +1526,7 @@
           <a:p>
             <a:pPr lvl="0"/>
             <a:r>
-              <a:rPr lang="en-US" smtClean="0"/>
+              <a:rPr lang="en-US"/>
               <a:t>Edit Master text styles</a:t>
             </a:r>
           </a:p>
@@ -1554,35 +1554,35 @@
           <a:p>
             <a:pPr lvl="0"/>
             <a:r>
-              <a:rPr lang="en-US" smtClean="0"/>
+              <a:rPr lang="en-US"/>
               <a:t>Edit Master text styles</a:t>
             </a:r>
           </a:p>
           <a:p>
             <a:pPr lvl="1"/>
             <a:r>
-              <a:rPr lang="en-US" smtClean="0"/>
+              <a:rPr lang="en-US"/>
               <a:t>Second level</a:t>
             </a:r>
           </a:p>
           <a:p>
             <a:pPr lvl="2"/>
             <a:r>
-              <a:rPr lang="en-US" smtClean="0"/>
+              <a:rPr lang="en-US"/>
               <a:t>Third level</a:t>
             </a:r>
           </a:p>
           <a:p>
             <a:pPr lvl="3"/>
             <a:r>
-              <a:rPr lang="en-US" smtClean="0"/>
+              <a:rPr lang="en-US"/>
               <a:t>Fourth level</a:t>
             </a:r>
           </a:p>
           <a:p>
             <a:pPr lvl="4"/>
             <a:r>
-              <a:rPr lang="en-US" smtClean="0"/>
+              <a:rPr lang="en-US"/>
               <a:t>Fifth level</a:t>
             </a:r>
             <a:endParaRPr lang="en-US" dirty="0"/>
@@ -1606,7 +1606,7 @@
           <a:p>
             <a:fld id="{7078CFEC-1D61-41B2-9CE4-F79A0697D2D9}" type="datetimeFigureOut">
               <a:rPr lang="en-US" smtClean="0"/>
-              <a:t>8/10/2018</a:t>
+              <a:t>2020-05-08</a:t>
             </a:fld>
             <a:endParaRPr lang="en-US"/>
           </a:p>
@@ -1700,7 +1700,7 @@
           <a:lstStyle/>
           <a:p>
             <a:r>
-              <a:rPr lang="en-US" smtClean="0"/>
+              <a:rPr lang="en-US"/>
               <a:t>Click to edit Master title style</a:t>
             </a:r>
             <a:endParaRPr lang="en-US" dirty="0"/>
@@ -1724,7 +1724,7 @@
           <a:p>
             <a:fld id="{7078CFEC-1D61-41B2-9CE4-F79A0697D2D9}" type="datetimeFigureOut">
               <a:rPr lang="en-US" smtClean="0"/>
-              <a:t>8/10/2018</a:t>
+              <a:t>2020-05-08</a:t>
             </a:fld>
             <a:endParaRPr lang="en-US"/>
           </a:p>
@@ -1819,7 +1819,7 @@
           <a:p>
             <a:fld id="{7078CFEC-1D61-41B2-9CE4-F79A0697D2D9}" type="datetimeFigureOut">
               <a:rPr lang="en-US" smtClean="0"/>
-              <a:t>8/10/2018</a:t>
+              <a:t>2020-05-08</a:t>
             </a:fld>
             <a:endParaRPr lang="en-US"/>
           </a:p>
@@ -1922,7 +1922,7 @@
           </a:lstStyle>
           <a:p>
             <a:r>
-              <a:rPr lang="en-US" smtClean="0"/>
+              <a:rPr lang="en-US"/>
               <a:t>Click to edit Master title style</a:t>
             </a:r>
             <a:endParaRPr lang="en-US" dirty="0"/>
@@ -1979,35 +1979,35 @@
           <a:p>
             <a:pPr lvl="0"/>
             <a:r>
-              <a:rPr lang="en-US" smtClean="0"/>
+              <a:rPr lang="en-US"/>
               <a:t>Edit Master text styles</a:t>
             </a:r>
           </a:p>
           <a:p>
             <a:pPr lvl="1"/>
             <a:r>
-              <a:rPr lang="en-US" smtClean="0"/>
+              <a:rPr lang="en-US"/>
               <a:t>Second level</a:t>
             </a:r>
           </a:p>
           <a:p>
             <a:pPr lvl="2"/>
             <a:r>
-              <a:rPr lang="en-US" smtClean="0"/>
+              <a:rPr lang="en-US"/>
               <a:t>Third level</a:t>
             </a:r>
           </a:p>
           <a:p>
             <a:pPr lvl="3"/>
             <a:r>
-              <a:rPr lang="en-US" smtClean="0"/>
+              <a:rPr lang="en-US"/>
               <a:t>Fourth level</a:t>
             </a:r>
           </a:p>
           <a:p>
             <a:pPr lvl="4"/>
             <a:r>
-              <a:rPr lang="en-US" smtClean="0"/>
+              <a:rPr lang="en-US"/>
               <a:t>Fifth level</a:t>
             </a:r>
             <a:endParaRPr lang="en-US" dirty="0"/>
@@ -2073,7 +2073,7 @@
           <a:p>
             <a:pPr lvl="0"/>
             <a:r>
-              <a:rPr lang="en-US" smtClean="0"/>
+              <a:rPr lang="en-US"/>
               <a:t>Edit Master text styles</a:t>
             </a:r>
           </a:p>
@@ -2096,7 +2096,7 @@
           <a:p>
             <a:fld id="{7078CFEC-1D61-41B2-9CE4-F79A0697D2D9}" type="datetimeFigureOut">
               <a:rPr lang="en-US" smtClean="0"/>
-              <a:t>8/10/2018</a:t>
+              <a:t>2020-05-08</a:t>
             </a:fld>
             <a:endParaRPr lang="en-US"/>
           </a:p>
@@ -2199,7 +2199,7 @@
           </a:lstStyle>
           <a:p>
             <a:r>
-              <a:rPr lang="en-US" smtClean="0"/>
+              <a:rPr lang="en-US"/>
               <a:t>Click to edit Master title style</a:t>
             </a:r>
             <a:endParaRPr lang="en-US" dirty="0"/>
@@ -2264,7 +2264,7 @@
           </a:lstStyle>
           <a:p>
             <a:r>
-              <a:rPr lang="en-US" smtClean="0"/>
+              <a:rPr lang="en-US"/>
               <a:t>Click icon to add picture</a:t>
             </a:r>
             <a:endParaRPr lang="en-US" dirty="0"/>
@@ -2330,7 +2330,7 @@
           <a:p>
             <a:pPr lvl="0"/>
             <a:r>
-              <a:rPr lang="en-US" smtClean="0"/>
+              <a:rPr lang="en-US"/>
               <a:t>Edit Master text styles</a:t>
             </a:r>
           </a:p>
@@ -2353,7 +2353,7 @@
           <a:p>
             <a:fld id="{7078CFEC-1D61-41B2-9CE4-F79A0697D2D9}" type="datetimeFigureOut">
               <a:rPr lang="en-US" smtClean="0"/>
-              <a:t>8/10/2018</a:t>
+              <a:t>2020-05-08</a:t>
             </a:fld>
             <a:endParaRPr lang="en-US"/>
           </a:p>
@@ -2462,7 +2462,7 @@
           <a:lstStyle/>
           <a:p>
             <a:r>
-              <a:rPr lang="en-US" smtClean="0"/>
+              <a:rPr lang="en-US"/>
               <a:t>Click to edit Master title style</a:t>
             </a:r>
             <a:endParaRPr lang="en-US" dirty="0"/>
@@ -2496,35 +2496,35 @@
           <a:p>
             <a:pPr lvl="0"/>
             <a:r>
-              <a:rPr lang="en-US" smtClean="0"/>
+              <a:rPr lang="en-US"/>
               <a:t>Edit Master text styles</a:t>
             </a:r>
           </a:p>
           <a:p>
             <a:pPr lvl="1"/>
             <a:r>
-              <a:rPr lang="en-US" smtClean="0"/>
+              <a:rPr lang="en-US"/>
               <a:t>Second level</a:t>
             </a:r>
           </a:p>
           <a:p>
             <a:pPr lvl="2"/>
             <a:r>
-              <a:rPr lang="en-US" smtClean="0"/>
+              <a:rPr lang="en-US"/>
               <a:t>Third level</a:t>
             </a:r>
           </a:p>
           <a:p>
             <a:pPr lvl="3"/>
             <a:r>
-              <a:rPr lang="en-US" smtClean="0"/>
+              <a:rPr lang="en-US"/>
               <a:t>Fourth level</a:t>
             </a:r>
           </a:p>
           <a:p>
             <a:pPr lvl="4"/>
             <a:r>
-              <a:rPr lang="en-US" smtClean="0"/>
+              <a:rPr lang="en-US"/>
               <a:t>Fifth level</a:t>
             </a:r>
             <a:endParaRPr lang="en-US" dirty="0"/>
@@ -2566,7 +2566,7 @@
           <a:p>
             <a:fld id="{7078CFEC-1D61-41B2-9CE4-F79A0697D2D9}" type="datetimeFigureOut">
               <a:rPr lang="en-US" smtClean="0"/>
-              <a:t>8/10/2018</a:t>
+              <a:t>2020-05-08</a:t>
             </a:fld>
             <a:endParaRPr lang="en-US"/>
           </a:p>
@@ -2971,8 +2971,8 @@
           <a:chExt cx="0" cy="0"/>
         </a:xfrm>
       </p:grpSpPr>
-      <mc:AlternateContent xmlns:mc="http://schemas.openxmlformats.org/markup-compatibility/2006">
-        <mc:Choice xmlns:a14="http://schemas.microsoft.com/office/drawing/2010/main" Requires="a14">
+      <mc:AlternateContent xmlns:mc="http://schemas.openxmlformats.org/markup-compatibility/2006" xmlns:a14="http://schemas.microsoft.com/office/drawing/2010/main">
+        <mc:Choice Requires="a14">
           <p:sp>
             <p:nvSpPr>
               <p:cNvPr id="70" name="TextBox 69">
@@ -3041,7 +3041,7 @@
             </p:txBody>
           </p:sp>
         </mc:Choice>
-        <mc:Fallback>
+        <mc:Fallback xmlns="">
           <p:sp>
             <p:nvSpPr>
               <p:cNvPr id="70" name="TextBox 69">
@@ -3394,8 +3394,8 @@
             </p:nvSpPr>
             <p:spPr>
               <a:xfrm>
-                <a:off x="1371767" y="1248983"/>
-                <a:ext cx="214942" cy="400174"/>
+                <a:off x="1505390" y="1300743"/>
+                <a:ext cx="214942" cy="369332"/>
               </a:xfrm>
               <a:prstGeom prst="rect">
                 <a:avLst/>
@@ -3425,13 +3425,10 @@
                         </m:sSubSupPr>
                         <m:e>
                           <m:r>
-                            <m:rPr>
-                              <m:sty m:val="p"/>
-                            </m:rPr>
                             <a:rPr lang="en-US" b="0" i="1" smtClean="0">
                               <a:latin typeface="Cambria Math" panose="02040503050406030204" pitchFamily="18" charset="0"/>
                             </a:rPr>
-                            <m:t>q</m:t>
+                            <m:t>𝑏</m:t>
                           </m:r>
                         </m:e>
                         <m:sub>
@@ -3440,18 +3437,6 @@
                               <a:latin typeface="Cambria Math" panose="02040503050406030204" pitchFamily="18" charset="0"/>
                             </a:rPr>
                             <m:t>𝑘</m:t>
-                          </m:r>
-                          <m:r>
-                            <a:rPr lang="en-US" b="0" i="1" smtClean="0">
-                              <a:latin typeface="Cambria Math" panose="02040503050406030204" pitchFamily="18" charset="0"/>
-                            </a:rPr>
-                            <m:t>,</m:t>
-                          </m:r>
-                          <m:r>
-                            <a:rPr lang="en-US" b="0" i="1" smtClean="0">
-                              <a:latin typeface="Cambria Math" panose="02040503050406030204" pitchFamily="18" charset="0"/>
-                            </a:rPr>
-                            <m:t>𝑓</m:t>
                           </m:r>
                         </m:sub>
                         <m:sup>
@@ -3488,8 +3473,8 @@
             </p:nvSpPr>
             <p:spPr>
               <a:xfrm>
-                <a:off x="1371767" y="1248983"/>
-                <a:ext cx="214942" cy="400174"/>
+                <a:off x="1505390" y="1300743"/>
+                <a:ext cx="214942" cy="369332"/>
               </a:xfrm>
               <a:prstGeom prst="rect">
                 <a:avLst/>
@@ -3497,7 +3482,7 @@
               <a:blipFill>
                 <a:blip r:embed="rId3"/>
                 <a:stretch>
-                  <a:fillRect r="-157143" b="-9091"/>
+                  <a:fillRect r="-74286" b="-1639"/>
                 </a:stretch>
               </a:blipFill>
             </p:spPr>
@@ -3554,8 +3539,8 @@
           </a:fontRef>
         </p:style>
       </p:cxnSp>
-      <mc:AlternateContent xmlns:mc="http://schemas.openxmlformats.org/markup-compatibility/2006">
-        <mc:Choice xmlns:a14="http://schemas.microsoft.com/office/drawing/2010/main" Requires="a14">
+      <mc:AlternateContent xmlns:mc="http://schemas.openxmlformats.org/markup-compatibility/2006" xmlns:a14="http://schemas.microsoft.com/office/drawing/2010/main">
+        <mc:Choice Requires="a14">
           <p:sp>
             <p:nvSpPr>
               <p:cNvPr id="79" name="TextBox 78">
@@ -3624,7 +3609,7 @@
             </p:txBody>
           </p:sp>
         </mc:Choice>
-        <mc:Fallback>
+        <mc:Fallback xmlns="">
           <p:sp>
             <p:nvSpPr>
               <p:cNvPr id="79" name="TextBox 78">
@@ -3707,8 +3692,8 @@
           </a:fontRef>
         </p:style>
       </p:cxnSp>
-      <mc:AlternateContent xmlns:mc="http://schemas.openxmlformats.org/markup-compatibility/2006">
-        <mc:Choice xmlns:a14="http://schemas.microsoft.com/office/drawing/2010/main" Requires="a14">
+      <mc:AlternateContent xmlns:mc="http://schemas.openxmlformats.org/markup-compatibility/2006" xmlns:a14="http://schemas.microsoft.com/office/drawing/2010/main">
+        <mc:Choice Requires="a14">
           <p:sp>
             <p:nvSpPr>
               <p:cNvPr id="81" name="TextBox 80">
@@ -3777,7 +3762,7 @@
             </p:txBody>
           </p:sp>
         </mc:Choice>
-        <mc:Fallback>
+        <mc:Fallback xmlns="">
           <p:sp>
             <p:nvSpPr>
               <p:cNvPr id="81" name="TextBox 80">
@@ -3909,8 +3894,8 @@
           </a:p>
         </p:txBody>
       </p:sp>
-      <mc:AlternateContent xmlns:mc="http://schemas.openxmlformats.org/markup-compatibility/2006">
-        <mc:Choice xmlns:a14="http://schemas.microsoft.com/office/drawing/2010/main" Requires="a14">
+      <mc:AlternateContent xmlns:mc="http://schemas.openxmlformats.org/markup-compatibility/2006" xmlns:a14="http://schemas.microsoft.com/office/drawing/2010/main">
+        <mc:Choice Requires="a14">
           <p:sp>
             <p:nvSpPr>
               <p:cNvPr id="84" name="TextBox 83">
@@ -3979,7 +3964,7 @@
             </p:txBody>
           </p:sp>
         </mc:Choice>
-        <mc:Fallback>
+        <mc:Fallback xmlns="">
           <p:sp>
             <p:nvSpPr>
               <p:cNvPr id="84" name="TextBox 83">
@@ -4041,7 +4026,7 @@
             <p:spPr>
               <a:xfrm>
                 <a:off x="1264296" y="1721188"/>
-                <a:ext cx="214942" cy="391582"/>
+                <a:ext cx="214942" cy="369332"/>
               </a:xfrm>
               <a:prstGeom prst="rect">
                 <a:avLst/>
@@ -4074,7 +4059,7 @@
                             <a:rPr lang="en-US" b="0" i="1" smtClean="0">
                               <a:latin typeface="Cambria Math" panose="02040503050406030204" pitchFamily="18" charset="0"/>
                             </a:rPr>
-                            <m:t>𝑞</m:t>
+                            <m:t>𝑏</m:t>
                           </m:r>
                         </m:e>
                         <m:sub>
@@ -4083,18 +4068,6 @@
                               <a:latin typeface="Cambria Math" panose="02040503050406030204" pitchFamily="18" charset="0"/>
                             </a:rPr>
                             <m:t>𝑖</m:t>
-                          </m:r>
-                          <m:r>
-                            <a:rPr lang="en-US" b="0" i="1" smtClean="0">
-                              <a:latin typeface="Cambria Math" panose="02040503050406030204" pitchFamily="18" charset="0"/>
-                            </a:rPr>
-                            <m:t>,</m:t>
-                          </m:r>
-                          <m:r>
-                            <a:rPr lang="en-US" b="0" i="1" smtClean="0">
-                              <a:latin typeface="Cambria Math" panose="02040503050406030204" pitchFamily="18" charset="0"/>
-                            </a:rPr>
-                            <m:t>𝑓</m:t>
                           </m:r>
                         </m:sub>
                       </m:sSub>
@@ -4124,7 +4097,7 @@
             <p:spPr>
               <a:xfrm>
                 <a:off x="1264296" y="1721188"/>
-                <a:ext cx="214942" cy="391582"/>
+                <a:ext cx="214942" cy="369332"/>
               </a:xfrm>
               <a:prstGeom prst="rect">
                 <a:avLst/>
@@ -4132,7 +4105,7 @@
               <a:blipFill>
                 <a:blip r:embed="rId7"/>
                 <a:stretch>
-                  <a:fillRect r="-125000" b="-9231"/>
+                  <a:fillRect r="-52778"/>
                 </a:stretch>
               </a:blipFill>
             </p:spPr>
